--- a/mission.pptx
+++ b/mission.pptx
@@ -253,7 +253,7 @@
           <a:p>
             <a:fld id="{F9D7746A-D072-4474-A277-43C1A1104B9C}" type="datetimeFigureOut">
               <a:rPr lang="ko-KR" altLang="en-US" smtClean="0"/>
-              <a:t>2023-03-29</a:t>
+              <a:t>2023-03-31</a:t>
             </a:fld>
             <a:endParaRPr lang="ko-KR" altLang="en-US"/>
           </a:p>
@@ -1594,7 +1594,7 @@
           <a:p>
             <a:fld id="{008866A0-8083-43B5-B4AB-E6040FB2CF94}" type="datetimeFigureOut">
               <a:rPr lang="ko-KR" altLang="en-US" smtClean="0"/>
-              <a:t>2023-03-29</a:t>
+              <a:t>2023-03-31</a:t>
             </a:fld>
             <a:endParaRPr lang="ko-KR" altLang="en-US"/>
           </a:p>
@@ -1773,7 +1773,7 @@
           <a:p>
             <a:fld id="{008866A0-8083-43B5-B4AB-E6040FB2CF94}" type="datetimeFigureOut">
               <a:rPr lang="ko-KR" altLang="en-US" smtClean="0"/>
-              <a:t>2023-03-29</a:t>
+              <a:t>2023-03-31</a:t>
             </a:fld>
             <a:endParaRPr lang="ko-KR" altLang="en-US"/>
           </a:p>
@@ -2073,7 +2073,7 @@
           <a:p>
             <a:fld id="{008866A0-8083-43B5-B4AB-E6040FB2CF94}" type="datetimeFigureOut">
               <a:rPr lang="ko-KR" altLang="en-US" smtClean="0"/>
-              <a:t>2023-03-29</a:t>
+              <a:t>2023-03-31</a:t>
             </a:fld>
             <a:endParaRPr lang="ko-KR" altLang="en-US"/>
           </a:p>
@@ -2277,7 +2277,7 @@
           <a:p>
             <a:fld id="{008866A0-8083-43B5-B4AB-E6040FB2CF94}" type="datetimeFigureOut">
               <a:rPr lang="ko-KR" altLang="en-US" smtClean="0"/>
-              <a:t>2023-03-29</a:t>
+              <a:t>2023-03-31</a:t>
             </a:fld>
             <a:endParaRPr lang="ko-KR" altLang="en-US"/>
           </a:p>
@@ -2696,7 +2696,7 @@
           <a:p>
             <a:fld id="{008866A0-8083-43B5-B4AB-E6040FB2CF94}" type="datetimeFigureOut">
               <a:rPr lang="ko-KR" altLang="en-US" smtClean="0"/>
-              <a:t>2023-03-29</a:t>
+              <a:t>2023-03-31</a:t>
             </a:fld>
             <a:endParaRPr lang="ko-KR" altLang="en-US"/>
           </a:p>
@@ -3032,7 +3032,7 @@
           <a:p>
             <a:fld id="{008866A0-8083-43B5-B4AB-E6040FB2CF94}" type="datetimeFigureOut">
               <a:rPr lang="ko-KR" altLang="en-US" smtClean="0"/>
-              <a:t>2023-03-29</a:t>
+              <a:t>2023-03-31</a:t>
             </a:fld>
             <a:endParaRPr lang="ko-KR" altLang="en-US"/>
           </a:p>
@@ -3149,7 +3149,7 @@
           <a:p>
             <a:fld id="{008866A0-8083-43B5-B4AB-E6040FB2CF94}" type="datetimeFigureOut">
               <a:rPr lang="ko-KR" altLang="en-US" smtClean="0"/>
-              <a:t>2023-03-29</a:t>
+              <a:t>2023-03-31</a:t>
             </a:fld>
             <a:endParaRPr lang="ko-KR" altLang="en-US"/>
           </a:p>
@@ -3859,7 +3859,7 @@
           <a:p>
             <a:fld id="{008866A0-8083-43B5-B4AB-E6040FB2CF94}" type="datetimeFigureOut">
               <a:rPr lang="ko-KR" altLang="en-US" smtClean="0"/>
-              <a:t>2023-03-29</a:t>
+              <a:t>2023-03-31</a:t>
             </a:fld>
             <a:endParaRPr lang="ko-KR" altLang="en-US"/>
           </a:p>
@@ -3949,7 +3949,7 @@
           <a:p>
             <a:fld id="{008866A0-8083-43B5-B4AB-E6040FB2CF94}" type="datetimeFigureOut">
               <a:rPr lang="ko-KR" altLang="en-US" smtClean="0"/>
-              <a:t>2023-03-29</a:t>
+              <a:t>2023-03-31</a:t>
             </a:fld>
             <a:endParaRPr lang="ko-KR" altLang="en-US"/>
           </a:p>
@@ -4230,7 +4230,7 @@
           <a:p>
             <a:fld id="{008866A0-8083-43B5-B4AB-E6040FB2CF94}" type="datetimeFigureOut">
               <a:rPr lang="ko-KR" altLang="en-US" smtClean="0"/>
-              <a:t>2023-03-29</a:t>
+              <a:t>2023-03-31</a:t>
             </a:fld>
             <a:endParaRPr lang="ko-KR" altLang="en-US"/>
           </a:p>
@@ -4613,7 +4613,7 @@
           <a:p>
             <a:fld id="{008866A0-8083-43B5-B4AB-E6040FB2CF94}" type="datetimeFigureOut">
               <a:rPr lang="ko-KR" altLang="en-US" smtClean="0"/>
-              <a:t>2023-03-29</a:t>
+              <a:t>2023-03-31</a:t>
             </a:fld>
             <a:endParaRPr lang="ko-KR" altLang="en-US"/>
           </a:p>
@@ -5017,7 +5017,7 @@
           <a:p>
             <a:fld id="{008866A0-8083-43B5-B4AB-E6040FB2CF94}" type="datetimeFigureOut">
               <a:rPr lang="ko-KR" altLang="en-US" smtClean="0"/>
-              <a:t>2023-03-29</a:t>
+              <a:t>2023-03-31</a:t>
             </a:fld>
             <a:endParaRPr lang="ko-KR" altLang="en-US"/>
           </a:p>
@@ -11060,8 +11060,36 @@
               <a:t>DI</a:t>
             </a:r>
             <a:r>
-              <a:rPr lang="ko-KR" altLang="en-US" sz="1600"/>
-              <a:t>로 변경</a:t>
+              <a:rPr lang="ko-KR" altLang="en-US" sz="1600" dirty="0"/>
+              <a:t>로 </a:t>
+            </a:r>
+            <a:r>
+              <a:rPr lang="ko-KR" altLang="en-US" sz="1600" dirty="0" smtClean="0"/>
+              <a:t>변경 </a:t>
+            </a:r>
+            <a:r>
+              <a:rPr lang="en-US" altLang="ko-KR" sz="1600" dirty="0" smtClean="0"/>
+              <a:t>(</a:t>
+            </a:r>
+            <a:r>
+              <a:rPr lang="en-US" altLang="ko-KR" sz="1600" dirty="0" smtClean="0"/>
+              <a:t>@</a:t>
+            </a:r>
+            <a:r>
+              <a:rPr lang="en-US" altLang="ko-KR" sz="1600" dirty="0" err="1" smtClean="0"/>
+              <a:t>Autowired</a:t>
+            </a:r>
+            <a:r>
+              <a:rPr lang="en-US" altLang="ko-KR" sz="1600" dirty="0" smtClean="0"/>
+              <a:t> </a:t>
+            </a:r>
+            <a:r>
+              <a:rPr lang="ko-KR" altLang="en-US" sz="1600" dirty="0" smtClean="0"/>
+              <a:t>이용</a:t>
+            </a:r>
+            <a:r>
+              <a:rPr lang="en-US" altLang="ko-KR" sz="1600" smtClean="0"/>
+              <a:t>)</a:t>
             </a:r>
             <a:endParaRPr lang="en-US" altLang="ko-KR" sz="1600" dirty="0"/>
           </a:p>
